--- a/01_PHP_1/09_php_for_and_nested_loops/slides/for_and_nested_loops.pptx
+++ b/01_PHP_1/09_php_for_and_nested_loops/slides/for_and_nested_loops.pptx
@@ -37,16 +37,16 @@
   <p:notesSz cx="6858000" cy="9144000"/>
   <p:embeddedFontLst>
     <p:embeddedFont>
-      <p:font typeface="Calibri" panose="020F0502020204030204" pitchFamily="34" charset="0"/>
+      <p:font typeface="Syncopate" panose="020B0604020202020204" charset="0"/>
       <p:regular r:id="rId27"/>
       <p:bold r:id="rId28"/>
-      <p:italic r:id="rId29"/>
-      <p:boldItalic r:id="rId30"/>
     </p:embeddedFont>
     <p:embeddedFont>
-      <p:font typeface="Syncopate" panose="020B0604020202020204" charset="0"/>
-      <p:regular r:id="rId31"/>
-      <p:bold r:id="rId32"/>
+      <p:font typeface="Calibri" panose="020F0502020204030204" pitchFamily="34" charset="0"/>
+      <p:regular r:id="rId29"/>
+      <p:bold r:id="rId30"/>
+      <p:italic r:id="rId31"/>
+      <p:boldItalic r:id="rId32"/>
     </p:embeddedFont>
   </p:embeddedFontLst>
   <p:defaultTextStyle>
@@ -280,7 +280,7 @@
   </p:defaultTextStyle>
   <p:extLst>
     <p:ext uri="{EFAFB233-063F-42B5-8137-9DF3F51BA10A}">
-      <p15:sldGuideLst xmlns:p15="http://schemas.microsoft.com/office/powerpoint/2012/main" xmlns:p14="http://schemas.microsoft.com/office/powerpoint/2010/main" xmlns:com="http://schemas.openxmlformats.org/drawingml/2006/compatibility" xmlns:pvml="urn:schemas-microsoft-com:office:powerpoint" xmlns:v="urn:schemas-microsoft-com:vml" xmlns:o="urn:schemas-microsoft-com:office:office" xmlns:dgm="http://schemas.openxmlformats.org/drawingml/2006/diagram" xmlns:c="http://schemas.openxmlformats.org/drawingml/2006/chart" xmlns:mv="urn:schemas-microsoft-com:mac:vml" xmlns:mc="http://schemas.openxmlformats.org/markup-compatibility/2006" xmlns="">
+      <p15:sldGuideLst xmlns="" xmlns:mc="http://schemas.openxmlformats.org/markup-compatibility/2006" xmlns:mv="urn:schemas-microsoft-com:mac:vml" xmlns:c="http://schemas.openxmlformats.org/drawingml/2006/chart" xmlns:dgm="http://schemas.openxmlformats.org/drawingml/2006/diagram" xmlns:o="urn:schemas-microsoft-com:office:office" xmlns:v="urn:schemas-microsoft-com:vml" xmlns:pvml="urn:schemas-microsoft-com:office:powerpoint" xmlns:com="http://schemas.openxmlformats.org/drawingml/2006/compatibility" xmlns:p14="http://schemas.microsoft.com/office/powerpoint/2010/main" xmlns:p15="http://schemas.microsoft.com/office/powerpoint/2012/main">
         <p15:guide id="1" orient="horz" pos="1620">
           <p15:clr>
             <a:srgbClr val="000000"/>
@@ -14962,14 +14962,14 @@
               <a:buNone/>
             </a:pPr>
             <a:r>
-              <a:rPr lang="en-US" sz="1400">
+              <a:rPr lang="en-US" sz="1400" dirty="0">
                 <a:solidFill>
                   <a:schemeClr val="dk1"/>
                 </a:solidFill>
               </a:rPr>
               <a:t>$car1 = [‘brand’ =&gt;’Volvo’, ‘model’=&gt;’s60’ , ‘stock’ =&gt; 10, ‘sold’ =&gt;20, ‘price’ =&gt;’50000’]</a:t>
             </a:r>
-            <a:endParaRPr sz="1400">
+            <a:endParaRPr sz="1400" dirty="0">
               <a:solidFill>
                 <a:schemeClr val="dk1"/>
               </a:solidFill>
@@ -14993,14 +14993,14 @@
               <a:buNone/>
             </a:pPr>
             <a:r>
-              <a:rPr lang="en-US" sz="1400">
+              <a:rPr lang="en-US" sz="1400" dirty="0">
                 <a:solidFill>
                   <a:schemeClr val="dk1"/>
                 </a:solidFill>
               </a:rPr>
               <a:t>$car2 = [‘brand’ =&gt;’VW’, ‘model’=&gt;’polo’ , ‘stock’ =&gt; 8, ‘sold’ =&gt;10, ‘price’ =&gt;’20000’]</a:t>
             </a:r>
-            <a:endParaRPr/>
+            <a:endParaRPr dirty="0"/>
           </a:p>
           <a:p>
             <a:pPr marL="0" lvl="0" indent="0" algn="l" rtl="0">
@@ -15020,14 +15020,30 @@
               <a:buNone/>
             </a:pPr>
             <a:r>
-              <a:rPr lang="en-US" sz="1400">
+              <a:rPr lang="en-US" sz="1400" dirty="0">
                 <a:solidFill>
                   <a:schemeClr val="dk1"/>
                 </a:solidFill>
               </a:rPr>
-              <a:t>$car3 = [‘brand’ =&gt;’Fiat’, ‘model’=&gt;’uno’ , ‘stock’ =&gt; 10, ‘sold’ =&gt;20, ‘price’ =&gt;’20000’]</a:t>
+              <a:t>$car3 = [‘brand’ =&gt;’Fiat’, ‘model’=&gt;’</a:t>
             </a:r>
-            <a:endParaRPr/>
+            <a:r>
+              <a:rPr lang="en-US" sz="1400" dirty="0" err="1">
+                <a:solidFill>
+                  <a:schemeClr val="dk1"/>
+                </a:solidFill>
+              </a:rPr>
+              <a:t>uno</a:t>
+            </a:r>
+            <a:r>
+              <a:rPr lang="en-US" sz="1400" dirty="0">
+                <a:solidFill>
+                  <a:schemeClr val="dk1"/>
+                </a:solidFill>
+              </a:rPr>
+              <a:t>’ , ‘stock’ =&gt; 10, ‘sold’ =&gt;20, ‘price’ =&gt;’20000’]</a:t>
+            </a:r>
+            <a:endParaRPr dirty="0"/>
           </a:p>
           <a:p>
             <a:pPr marL="0" lvl="0" indent="0" algn="l" rtl="0">
@@ -15047,14 +15063,14 @@
               <a:buNone/>
             </a:pPr>
             <a:r>
-              <a:rPr lang="en-US" sz="1400">
+              <a:rPr lang="en-US" sz="1400" dirty="0">
                 <a:solidFill>
                   <a:schemeClr val="dk1"/>
                 </a:solidFill>
               </a:rPr>
               <a:t>……..</a:t>
             </a:r>
-            <a:endParaRPr/>
+            <a:endParaRPr dirty="0"/>
           </a:p>
           <a:p>
             <a:pPr marL="0" lvl="0" indent="0" algn="l" rtl="0">
@@ -15074,7 +15090,7 @@
               <a:buNone/>
             </a:pPr>
             <a:r>
-              <a:rPr lang="en-US" sz="1400">
+              <a:rPr lang="en-US" sz="1400" dirty="0">
                 <a:solidFill>
                   <a:schemeClr val="dk1"/>
                 </a:solidFill>
@@ -15082,18 +15098,18 @@
               <a:t>$car100 = [‘brand’ =&gt;’Jeep’, ‘model’=&gt;’</a:t>
             </a:r>
             <a:r>
-              <a:rPr lang="en-US" sz="1400"/>
+              <a:rPr lang="en-US" sz="1400" dirty="0"/>
               <a:t> WRANGLER</a:t>
             </a:r>
             <a:r>
-              <a:rPr lang="en-US" sz="1400">
+              <a:rPr lang="en-US" sz="1400" dirty="0">
                 <a:solidFill>
                   <a:schemeClr val="dk1"/>
                 </a:solidFill>
               </a:rPr>
               <a:t>’ , ‘stock’ =&gt; 7, ‘sold’ =&gt;3, ‘price’ =&gt;’62000’]</a:t>
             </a:r>
-            <a:endParaRPr sz="1400">
+            <a:endParaRPr sz="1400" dirty="0">
               <a:solidFill>
                 <a:schemeClr val="dk1"/>
               </a:solidFill>
@@ -15116,7 +15132,7 @@
               <a:buSzPts val="856"/>
               <a:buNone/>
             </a:pPr>
-            <a:endParaRPr sz="1400">
+            <a:endParaRPr sz="1400" dirty="0">
               <a:solidFill>
                 <a:schemeClr val="dk1"/>
               </a:solidFill>
@@ -15140,14 +15156,150 @@
               <a:buNone/>
             </a:pPr>
             <a:r>
-              <a:rPr lang="en-US" sz="1400">
+              <a:rPr lang="en-US" sz="1400" dirty="0" err="1">
                 <a:solidFill>
                   <a:schemeClr val="dk1"/>
                 </a:solidFill>
               </a:rPr>
-              <a:t>Информацията от поредицата асоциативни масивни $cars… - може да бъде запазена в </a:t>
+              <a:t>Информацията</a:t>
             </a:r>
-            <a:endParaRPr/>
+            <a:r>
+              <a:rPr lang="en-US" sz="1400" dirty="0">
+                <a:solidFill>
+                  <a:schemeClr val="dk1"/>
+                </a:solidFill>
+              </a:rPr>
+              <a:t> </a:t>
+            </a:r>
+            <a:r>
+              <a:rPr lang="en-US" sz="1400" dirty="0" err="1">
+                <a:solidFill>
+                  <a:schemeClr val="dk1"/>
+                </a:solidFill>
+              </a:rPr>
+              <a:t>от</a:t>
+            </a:r>
+            <a:r>
+              <a:rPr lang="en-US" sz="1400" dirty="0">
+                <a:solidFill>
+                  <a:schemeClr val="dk1"/>
+                </a:solidFill>
+              </a:rPr>
+              <a:t> </a:t>
+            </a:r>
+            <a:r>
+              <a:rPr lang="en-US" sz="1400" dirty="0" err="1">
+                <a:solidFill>
+                  <a:schemeClr val="dk1"/>
+                </a:solidFill>
+              </a:rPr>
+              <a:t>поредицата</a:t>
+            </a:r>
+            <a:r>
+              <a:rPr lang="en-US" sz="1400" dirty="0">
+                <a:solidFill>
+                  <a:schemeClr val="dk1"/>
+                </a:solidFill>
+              </a:rPr>
+              <a:t> </a:t>
+            </a:r>
+            <a:r>
+              <a:rPr lang="en-US" sz="1400" dirty="0" err="1">
+                <a:solidFill>
+                  <a:schemeClr val="dk1"/>
+                </a:solidFill>
+              </a:rPr>
+              <a:t>асоциативни</a:t>
+            </a:r>
+            <a:r>
+              <a:rPr lang="en-US" sz="1400" dirty="0">
+                <a:solidFill>
+                  <a:schemeClr val="dk1"/>
+                </a:solidFill>
+              </a:rPr>
+              <a:t> </a:t>
+            </a:r>
+            <a:r>
+              <a:rPr lang="en-US" sz="1400" dirty="0" err="1">
+                <a:solidFill>
+                  <a:schemeClr val="dk1"/>
+                </a:solidFill>
+              </a:rPr>
+              <a:t>масивни</a:t>
+            </a:r>
+            <a:r>
+              <a:rPr lang="en-US" sz="1400" dirty="0">
+                <a:solidFill>
+                  <a:schemeClr val="dk1"/>
+                </a:solidFill>
+              </a:rPr>
+              <a:t> $cars… - </a:t>
+            </a:r>
+            <a:r>
+              <a:rPr lang="en-US" sz="1400" dirty="0" err="1">
+                <a:solidFill>
+                  <a:schemeClr val="dk1"/>
+                </a:solidFill>
+              </a:rPr>
+              <a:t>може</a:t>
+            </a:r>
+            <a:r>
+              <a:rPr lang="en-US" sz="1400" dirty="0">
+                <a:solidFill>
+                  <a:schemeClr val="dk1"/>
+                </a:solidFill>
+              </a:rPr>
+              <a:t> </a:t>
+            </a:r>
+            <a:r>
+              <a:rPr lang="en-US" sz="1400" dirty="0" err="1">
+                <a:solidFill>
+                  <a:schemeClr val="dk1"/>
+                </a:solidFill>
+              </a:rPr>
+              <a:t>да</a:t>
+            </a:r>
+            <a:r>
+              <a:rPr lang="en-US" sz="1400" dirty="0">
+                <a:solidFill>
+                  <a:schemeClr val="dk1"/>
+                </a:solidFill>
+              </a:rPr>
+              <a:t> </a:t>
+            </a:r>
+            <a:r>
+              <a:rPr lang="en-US" sz="1400" dirty="0" err="1">
+                <a:solidFill>
+                  <a:schemeClr val="dk1"/>
+                </a:solidFill>
+              </a:rPr>
+              <a:t>бъде</a:t>
+            </a:r>
+            <a:r>
+              <a:rPr lang="en-US" sz="1400" dirty="0">
+                <a:solidFill>
+                  <a:schemeClr val="dk1"/>
+                </a:solidFill>
+              </a:rPr>
+              <a:t> </a:t>
+            </a:r>
+            <a:r>
+              <a:rPr lang="en-US" sz="1400" dirty="0" err="1">
+                <a:solidFill>
+                  <a:schemeClr val="dk1"/>
+                </a:solidFill>
+              </a:rPr>
+              <a:t>запазена</a:t>
+            </a:r>
+            <a:r>
+              <a:rPr lang="en-US" sz="1400" dirty="0">
+                <a:solidFill>
+                  <a:schemeClr val="dk1"/>
+                </a:solidFill>
+              </a:rPr>
+              <a:t> в </a:t>
+            </a:r>
+            <a:endParaRPr dirty="0"/>
           </a:p>
           <a:p>
             <a:pPr marL="0" lvl="0" indent="0" algn="l" rtl="0">
@@ -15167,14 +15319,70 @@
               <a:buNone/>
             </a:pPr>
             <a:r>
-              <a:rPr lang="en-US" sz="1400">
+              <a:rPr lang="en-US" sz="1400" dirty="0" err="1">
                 <a:solidFill>
                   <a:srgbClr val="FF0000"/>
                 </a:solidFill>
               </a:rPr>
-              <a:t>двумерен масив от масиви $cars </a:t>
+              <a:t>двумерен</a:t>
             </a:r>
-            <a:endParaRPr/>
+            <a:r>
+              <a:rPr lang="en-US" sz="1400" dirty="0">
+                <a:solidFill>
+                  <a:srgbClr val="FF0000"/>
+                </a:solidFill>
+              </a:rPr>
+              <a:t> </a:t>
+            </a:r>
+            <a:r>
+              <a:rPr lang="en-US" sz="1400" dirty="0" err="1">
+                <a:solidFill>
+                  <a:srgbClr val="FF0000"/>
+                </a:solidFill>
+              </a:rPr>
+              <a:t>масив</a:t>
+            </a:r>
+            <a:r>
+              <a:rPr lang="en-US" sz="1400" dirty="0">
+                <a:solidFill>
+                  <a:srgbClr val="FF0000"/>
+                </a:solidFill>
+              </a:rPr>
+              <a:t> </a:t>
+            </a:r>
+            <a:r>
+              <a:rPr lang="en-US" sz="1400" dirty="0" err="1">
+                <a:solidFill>
+                  <a:srgbClr val="FF0000"/>
+                </a:solidFill>
+              </a:rPr>
+              <a:t>от</a:t>
+            </a:r>
+            <a:r>
+              <a:rPr lang="en-US" sz="1400" dirty="0">
+                <a:solidFill>
+                  <a:srgbClr val="FF0000"/>
+                </a:solidFill>
+              </a:rPr>
+              <a:t> </a:t>
+            </a:r>
+            <a:r>
+              <a:rPr lang="en-US" sz="1400" dirty="0" err="1">
+                <a:solidFill>
+                  <a:srgbClr val="FF0000"/>
+                </a:solidFill>
+              </a:rPr>
+              <a:t>масиви</a:t>
+            </a:r>
+            <a:r>
+              <a:rPr lang="en-US" sz="1400" dirty="0">
+                <a:solidFill>
+                  <a:srgbClr val="FF0000"/>
+                </a:solidFill>
+              </a:rPr>
+              <a:t> $cars </a:t>
+            </a:r>
+            <a:endParaRPr dirty="0"/>
           </a:p>
           <a:p>
             <a:pPr marL="0" lvl="0" indent="0" algn="l" rtl="0">
@@ -15193,7 +15401,7 @@
               <a:buSzPts val="856"/>
               <a:buNone/>
             </a:pPr>
-            <a:endParaRPr sz="1400">
+            <a:endParaRPr sz="1400" dirty="0">
               <a:solidFill>
                 <a:srgbClr val="FF0000"/>
               </a:solidFill>
@@ -15217,14 +15425,14 @@
               <a:buFont typeface="Arial"/>
               <a:buNone/>
             </a:pPr>
-            <a:endParaRPr sz="1400">
+            <a:endParaRPr sz="1400" dirty="0">
               <a:solidFill>
                 <a:schemeClr val="dk1"/>
               </a:solidFill>
             </a:endParaRPr>
           </a:p>
           <a:p>
-            <a:pPr marL="0" lvl="0" indent="0" algn="l" rtl="0">
+            <a:pPr marL="0" marR="0" lvl="0" indent="0" algn="l" rtl="0">
               <a:lnSpc>
                 <a:spcPct val="115000"/>
               </a:lnSpc>
@@ -15238,24 +15446,17 @@
                 <a:schemeClr val="dk1"/>
               </a:buClr>
               <a:buSzPts val="856"/>
-              <a:buNone/>
-            </a:pPr>
-            <a:r>
-              <a:rPr lang="en-US" sz="1400">
-                <a:solidFill>
-                  <a:schemeClr val="dk1"/>
-                </a:solidFill>
-              </a:rPr>
-              <a:t>$cars = [‘brand’ =&gt;’Volvo’, ‘model’=&gt;’s60’ , ‘stock’ =&gt; 10, ‘sold’ =&gt;20, ‘price’ =&gt;’50000’),</a:t>
-            </a:r>
-            <a:endParaRPr sz="1400">
+              <a:buFont typeface="Arial"/>
+              <a:buNone/>
+            </a:pPr>
+            <a:endParaRPr sz="1400" dirty="0">
               <a:solidFill>
                 <a:schemeClr val="dk1"/>
               </a:solidFill>
             </a:endParaRPr>
           </a:p>
           <a:p>
-            <a:pPr marL="0" lvl="0" indent="0" algn="l" rtl="0">
+            <a:pPr marL="0" marR="0" lvl="0" indent="0" algn="l" rtl="0">
               <a:lnSpc>
                 <a:spcPct val="115000"/>
               </a:lnSpc>
@@ -15269,24 +15470,17 @@
                 <a:schemeClr val="dk1"/>
               </a:buClr>
               <a:buSzPts val="856"/>
-              <a:buNone/>
-            </a:pPr>
-            <a:r>
-              <a:rPr lang="en-US" sz="1400">
-                <a:solidFill>
-                  <a:schemeClr val="dk1"/>
-                </a:solidFill>
-              </a:rPr>
-              <a:t>	array(‘brand’ =&gt;’VW’, ‘model’=&gt;’polo’ , ‘stock’ =&gt; 8, ‘sold’ =&gt;10, ‘price’ =&gt;’20000’),</a:t>
-            </a:r>
-            <a:endParaRPr sz="1400">
+              <a:buFont typeface="Arial"/>
+              <a:buNone/>
+            </a:pPr>
+            <a:endParaRPr sz="1400" dirty="0">
               <a:solidFill>
                 <a:schemeClr val="dk1"/>
               </a:solidFill>
             </a:endParaRPr>
           </a:p>
           <a:p>
-            <a:pPr marL="0" lvl="0" indent="0" algn="l" rtl="0">
+            <a:pPr marL="0" marR="0" lvl="0" indent="0" algn="l" rtl="0">
               <a:lnSpc>
                 <a:spcPct val="115000"/>
               </a:lnSpc>
@@ -15300,24 +15494,17 @@
                 <a:schemeClr val="dk1"/>
               </a:buClr>
               <a:buSzPts val="856"/>
-              <a:buNone/>
-            </a:pPr>
-            <a:r>
-              <a:rPr lang="en-US" sz="1400">
-                <a:solidFill>
-                  <a:schemeClr val="dk1"/>
-                </a:solidFill>
-              </a:rPr>
-              <a:t>	array(‘brand’ =&gt;’Fiat’, ‘model’=&gt;’uno’ , ‘stock’ =&gt; 10, ‘sold’ =&gt;20, ‘price’ =&gt;’20000’),</a:t>
-            </a:r>
-            <a:endParaRPr sz="1400">
+              <a:buFont typeface="Arial"/>
+              <a:buNone/>
+            </a:pPr>
+            <a:endParaRPr sz="1400" dirty="0">
               <a:solidFill>
                 <a:schemeClr val="dk1"/>
               </a:solidFill>
             </a:endParaRPr>
           </a:p>
           <a:p>
-            <a:pPr marL="0" lvl="0" indent="0" algn="l" rtl="0">
+            <a:pPr marL="0" marR="0" lvl="0" indent="0" algn="l" rtl="0">
               <a:lnSpc>
                 <a:spcPct val="115000"/>
               </a:lnSpc>
@@ -15331,24 +15518,17 @@
                 <a:schemeClr val="dk1"/>
               </a:buClr>
               <a:buSzPts val="856"/>
-              <a:buNone/>
-            </a:pPr>
-            <a:r>
-              <a:rPr lang="en-US" sz="1400">
-                <a:solidFill>
-                  <a:schemeClr val="dk1"/>
-                </a:solidFill>
-              </a:rPr>
-              <a:t>	array ……..,</a:t>
-            </a:r>
-            <a:endParaRPr sz="1400">
+              <a:buFont typeface="Arial"/>
+              <a:buNone/>
+            </a:pPr>
+            <a:endParaRPr sz="1400" dirty="0">
               <a:solidFill>
                 <a:schemeClr val="dk1"/>
               </a:solidFill>
             </a:endParaRPr>
           </a:p>
           <a:p>
-            <a:pPr marL="0" lvl="0" indent="0" algn="l" rtl="0">
+            <a:pPr marL="0" marR="0" lvl="0" indent="0" algn="l" rtl="0">
               <a:lnSpc>
                 <a:spcPct val="115000"/>
               </a:lnSpc>
@@ -15362,29 +15542,10 @@
                 <a:schemeClr val="dk1"/>
               </a:buClr>
               <a:buSzPts val="856"/>
-              <a:buNone/>
-            </a:pPr>
-            <a:r>
-              <a:rPr lang="en-US" sz="1400">
-                <a:solidFill>
-                  <a:schemeClr val="dk1"/>
-                </a:solidFill>
-              </a:rPr>
-              <a:t>	array(‘brand’ =&gt;’Jeep’, ‘model’=&gt;’</a:t>
-            </a:r>
-            <a:r>
-              <a:rPr lang="en-US" sz="1400"/>
-              <a:t> WRANGLER</a:t>
-            </a:r>
-            <a:r>
-              <a:rPr lang="en-US" sz="1400">
-                <a:solidFill>
-                  <a:schemeClr val="dk1"/>
-                </a:solidFill>
-              </a:rPr>
-              <a:t>’ , ‘stock’ =&gt; 7, ‘sold’ =&gt;3, ‘price’ =&gt;’62000’]</a:t>
-            </a:r>
-            <a:endParaRPr sz="1400">
+              <a:buFont typeface="Arial"/>
+              <a:buNone/>
+            </a:pPr>
+            <a:endParaRPr sz="1400" dirty="0">
               <a:solidFill>
                 <a:schemeClr val="dk1"/>
               </a:solidFill>
@@ -15402,133 +15563,13 @@
                 <a:spcPts val="0"/>
               </a:spcAft>
               <a:buClr>
-                <a:schemeClr val="dk1"/>
-              </a:buClr>
-              <a:buSzPts val="856"/>
-              <a:buFont typeface="Arial"/>
-              <a:buNone/>
-            </a:pPr>
-            <a:endParaRPr sz="1400">
-              <a:solidFill>
-                <a:schemeClr val="dk1"/>
-              </a:solidFill>
-            </a:endParaRPr>
-          </a:p>
-          <a:p>
-            <a:pPr marL="0" marR="0" lvl="0" indent="0" algn="l" rtl="0">
-              <a:lnSpc>
-                <a:spcPct val="115000"/>
-              </a:lnSpc>
-              <a:spcBef>
-                <a:spcPts val="0"/>
-              </a:spcBef>
-              <a:spcAft>
-                <a:spcPts val="0"/>
-              </a:spcAft>
-              <a:buClr>
-                <a:schemeClr val="dk1"/>
-              </a:buClr>
-              <a:buSzPts val="856"/>
-              <a:buFont typeface="Arial"/>
-              <a:buNone/>
-            </a:pPr>
-            <a:endParaRPr sz="1400">
-              <a:solidFill>
-                <a:schemeClr val="dk1"/>
-              </a:solidFill>
-            </a:endParaRPr>
-          </a:p>
-          <a:p>
-            <a:pPr marL="0" marR="0" lvl="0" indent="0" algn="l" rtl="0">
-              <a:lnSpc>
-                <a:spcPct val="115000"/>
-              </a:lnSpc>
-              <a:spcBef>
-                <a:spcPts val="0"/>
-              </a:spcBef>
-              <a:spcAft>
-                <a:spcPts val="0"/>
-              </a:spcAft>
-              <a:buClr>
-                <a:schemeClr val="dk1"/>
-              </a:buClr>
-              <a:buSzPts val="856"/>
-              <a:buFont typeface="Arial"/>
-              <a:buNone/>
-            </a:pPr>
-            <a:endParaRPr sz="1400">
-              <a:solidFill>
-                <a:schemeClr val="dk1"/>
-              </a:solidFill>
-            </a:endParaRPr>
-          </a:p>
-          <a:p>
-            <a:pPr marL="0" marR="0" lvl="0" indent="0" algn="l" rtl="0">
-              <a:lnSpc>
-                <a:spcPct val="115000"/>
-              </a:lnSpc>
-              <a:spcBef>
-                <a:spcPts val="0"/>
-              </a:spcBef>
-              <a:spcAft>
-                <a:spcPts val="0"/>
-              </a:spcAft>
-              <a:buClr>
-                <a:schemeClr val="dk1"/>
-              </a:buClr>
-              <a:buSzPts val="856"/>
-              <a:buFont typeface="Arial"/>
-              <a:buNone/>
-            </a:pPr>
-            <a:endParaRPr sz="1400">
-              <a:solidFill>
-                <a:schemeClr val="dk1"/>
-              </a:solidFill>
-            </a:endParaRPr>
-          </a:p>
-          <a:p>
-            <a:pPr marL="0" marR="0" lvl="0" indent="0" algn="l" rtl="0">
-              <a:lnSpc>
-                <a:spcPct val="115000"/>
-              </a:lnSpc>
-              <a:spcBef>
-                <a:spcPts val="0"/>
-              </a:spcBef>
-              <a:spcAft>
-                <a:spcPts val="0"/>
-              </a:spcAft>
-              <a:buClr>
-                <a:schemeClr val="dk1"/>
-              </a:buClr>
-              <a:buSzPts val="856"/>
-              <a:buFont typeface="Arial"/>
-              <a:buNone/>
-            </a:pPr>
-            <a:endParaRPr sz="1400">
-              <a:solidFill>
-                <a:schemeClr val="dk1"/>
-              </a:solidFill>
-            </a:endParaRPr>
-          </a:p>
-          <a:p>
-            <a:pPr marL="0" marR="0" lvl="0" indent="0" algn="l" rtl="0">
-              <a:lnSpc>
-                <a:spcPct val="115000"/>
-              </a:lnSpc>
-              <a:spcBef>
-                <a:spcPts val="0"/>
-              </a:spcBef>
-              <a:spcAft>
-                <a:spcPts val="0"/>
-              </a:spcAft>
-              <a:buClr>
                 <a:schemeClr val="dk2"/>
               </a:buClr>
               <a:buSzPts val="350"/>
               <a:buFont typeface="Arial"/>
               <a:buNone/>
             </a:pPr>
-            <a:endParaRPr sz="1400"/>
+            <a:endParaRPr sz="1400" dirty="0"/>
           </a:p>
         </p:txBody>
       </p:sp>
